--- a/Slides/Lecture 3-2.pptx
+++ b/Slides/Lecture 3-2.pptx
@@ -218,7 +218,7 @@
             <a:fld id="{A6781D3C-003D-4837-A496-9A32CDA8003A}" type="datetimeFigureOut">
               <a:rPr lang="en-US" smtClean="0"/>
               <a:pPr/>
-              <a:t>1/22/19</a:t>
+              <a:t>1/20/2019</a:t>
             </a:fld>
             <a:endParaRPr lang="en-US"/>
           </a:p>
@@ -282,37 +282,38 @@
           <a:p>
             <a:pPr lvl="0"/>
             <a:r>
-              <a:rPr lang="en-US"/>
+              <a:rPr lang="en-US" smtClean="0"/>
               <a:t>Click to edit Master text styles</a:t>
             </a:r>
           </a:p>
           <a:p>
             <a:pPr lvl="1"/>
             <a:r>
-              <a:rPr lang="en-US"/>
+              <a:rPr lang="en-US" smtClean="0"/>
               <a:t>Second level</a:t>
             </a:r>
           </a:p>
           <a:p>
             <a:pPr lvl="2"/>
             <a:r>
-              <a:rPr lang="en-US"/>
+              <a:rPr lang="en-US" smtClean="0"/>
               <a:t>Third level</a:t>
             </a:r>
           </a:p>
           <a:p>
             <a:pPr lvl="3"/>
             <a:r>
-              <a:rPr lang="en-US"/>
+              <a:rPr lang="en-US" smtClean="0"/>
               <a:t>Fourth level</a:t>
             </a:r>
           </a:p>
           <a:p>
             <a:pPr lvl="4"/>
             <a:r>
-              <a:rPr lang="en-US"/>
+              <a:rPr lang="en-US" smtClean="0"/>
               <a:t>Fifth level</a:t>
             </a:r>
+            <a:endParaRPr lang="en-US"/>
           </a:p>
         </p:txBody>
       </p:sp>
@@ -531,9 +532,10 @@
           <a:lstStyle/>
           <a:p>
             <a:r>
-              <a:rPr lang="en-US" dirty="0"/>
+              <a:rPr lang="en-US" dirty="0" smtClean="0"/>
               <a:t>Poets, essayists, and novelists</a:t>
             </a:r>
+            <a:endParaRPr lang="en-US" dirty="0"/>
           </a:p>
         </p:txBody>
       </p:sp>
@@ -618,470 +620,471 @@
           <a:lstStyle/>
           <a:p>
             <a:r>
-              <a:rPr lang="en-US" dirty="0"/>
+              <a:rPr lang="en-US" dirty="0" smtClean="0"/>
               <a:t>(Google</a:t>
             </a:r>
             <a:r>
-              <a:rPr lang="en-US" baseline="0" dirty="0"/>
+              <a:rPr lang="en-US" baseline="0" dirty="0" smtClean="0"/>
               <a:t> Translate) </a:t>
             </a:r>
             <a:r>
-              <a:rPr lang="en-US" dirty="0"/>
+              <a:rPr lang="en-US" dirty="0" smtClean="0"/>
               <a:t>The 19th, Hitachi Metals of fabricated metal products has announced the acquisition from the United States investment fund iron castings manufacturer in the world's largest "Waupaca Foundry Holdings" the (US-Delaware), while a wholly owned subsidiary. $ 1.3 billion (about 133 billion yen), purchase price to finish the procedure also in October.</a:t>
             </a:r>
           </a:p>
           <a:p>
-            <a:endParaRPr lang="en-US" dirty="0"/>
-          </a:p>
-          <a:p>
-            <a:endParaRPr lang="en-US" dirty="0"/>
+            <a:endParaRPr lang="en-US" dirty="0" smtClean="0"/>
+          </a:p>
+          <a:p>
+            <a:endParaRPr lang="en-US" dirty="0" smtClean="0"/>
           </a:p>
           <a:p>
             <a:pPr rtl="0"/>
             <a:r>
-              <a:rPr lang="en-US" dirty="0">
+              <a:rPr lang="en-US" dirty="0" smtClean="0">
                 <a:effectLst/>
               </a:rPr>
               <a:t>Kinzoku </a:t>
             </a:r>
             <a:r>
-              <a:rPr lang="en-US" dirty="0" err="1">
+              <a:rPr lang="en-US" dirty="0" err="1" smtClean="0">
                 <a:effectLst/>
               </a:rPr>
               <a:t>seihin</a:t>
             </a:r>
             <a:r>
-              <a:rPr lang="en-US" dirty="0">
+              <a:rPr lang="en-US" dirty="0" smtClean="0">
                 <a:effectLst/>
               </a:rPr>
               <a:t> </a:t>
             </a:r>
             <a:r>
-              <a:rPr lang="en-US" dirty="0" err="1">
+              <a:rPr lang="en-US" dirty="0" err="1" smtClean="0">
                 <a:effectLst/>
               </a:rPr>
               <a:t>seizō</a:t>
             </a:r>
             <a:r>
-              <a:rPr lang="en-US" dirty="0">
+              <a:rPr lang="en-US" dirty="0" smtClean="0">
                 <a:effectLst/>
               </a:rPr>
               <a:t> no </a:t>
             </a:r>
             <a:r>
-              <a:rPr lang="en-US" dirty="0" err="1">
+              <a:rPr lang="en-US" dirty="0" err="1" smtClean="0">
                 <a:effectLst/>
               </a:rPr>
               <a:t>hitachikinzoku</a:t>
             </a:r>
             <a:r>
-              <a:rPr lang="en-US" dirty="0">
+              <a:rPr lang="en-US" dirty="0" smtClean="0">
                 <a:effectLst/>
               </a:rPr>
               <a:t> </a:t>
             </a:r>
             <a:r>
-              <a:rPr lang="en-US" dirty="0" err="1">
+              <a:rPr lang="en-US" dirty="0" err="1" smtClean="0">
                 <a:effectLst/>
               </a:rPr>
               <a:t>wa</a:t>
             </a:r>
             <a:r>
-              <a:rPr lang="en-US" dirty="0">
+              <a:rPr lang="en-US" dirty="0" smtClean="0">
                 <a:effectLst/>
               </a:rPr>
               <a:t> 19-nichi, </a:t>
             </a:r>
             <a:r>
-              <a:rPr lang="en-US" dirty="0" err="1">
+              <a:rPr lang="en-US" dirty="0" err="1" smtClean="0">
                 <a:effectLst/>
               </a:rPr>
               <a:t>sekai</a:t>
             </a:r>
             <a:r>
-              <a:rPr lang="en-US" dirty="0">
+              <a:rPr lang="en-US" dirty="0" smtClean="0">
                 <a:effectLst/>
               </a:rPr>
               <a:t> </a:t>
             </a:r>
             <a:r>
-              <a:rPr lang="en-US" dirty="0" err="1">
+              <a:rPr lang="en-US" dirty="0" err="1" smtClean="0">
                 <a:effectLst/>
               </a:rPr>
               <a:t>saiōte</a:t>
             </a:r>
             <a:r>
-              <a:rPr lang="en-US" dirty="0">
+              <a:rPr lang="en-US" dirty="0" smtClean="0">
                 <a:effectLst/>
               </a:rPr>
               <a:t> no </a:t>
             </a:r>
             <a:r>
-              <a:rPr lang="en-US" dirty="0" err="1">
+              <a:rPr lang="en-US" dirty="0" err="1" smtClean="0">
                 <a:effectLst/>
               </a:rPr>
               <a:t>tetsu</a:t>
             </a:r>
             <a:r>
-              <a:rPr lang="en-US" dirty="0">
+              <a:rPr lang="en-US" dirty="0" smtClean="0">
                 <a:effectLst/>
               </a:rPr>
               <a:t> </a:t>
             </a:r>
             <a:r>
-              <a:rPr lang="en-US" dirty="0" err="1">
+              <a:rPr lang="en-US" dirty="0" err="1" smtClean="0">
                 <a:effectLst/>
               </a:rPr>
               <a:t>imono</a:t>
             </a:r>
             <a:r>
-              <a:rPr lang="en-US" dirty="0">
+              <a:rPr lang="en-US" dirty="0" smtClean="0">
                 <a:effectLst/>
               </a:rPr>
               <a:t> </a:t>
             </a:r>
             <a:r>
-              <a:rPr lang="en-US" dirty="0" err="1">
+              <a:rPr lang="en-US" dirty="0" err="1" smtClean="0">
                 <a:effectLst/>
               </a:rPr>
               <a:t>mēkā</a:t>
             </a:r>
             <a:r>
-              <a:rPr lang="en-US" dirty="0">
+              <a:rPr lang="en-US" dirty="0" smtClean="0">
                 <a:effectLst/>
               </a:rPr>
               <a:t> `</a:t>
             </a:r>
             <a:r>
-              <a:rPr lang="en-US" dirty="0" err="1">
+              <a:rPr lang="en-US" dirty="0" err="1" smtClean="0">
                 <a:effectLst/>
               </a:rPr>
               <a:t>waupaka</a:t>
             </a:r>
             <a:r>
-              <a:rPr lang="en-US" dirty="0">
+              <a:rPr lang="en-US" dirty="0" smtClean="0">
                 <a:effectLst/>
               </a:rPr>
               <a:t> </a:t>
             </a:r>
             <a:r>
-              <a:rPr lang="en-US" dirty="0" err="1">
+              <a:rPr lang="en-US" dirty="0" err="1" smtClean="0">
                 <a:effectLst/>
               </a:rPr>
               <a:t>faundorī</a:t>
             </a:r>
             <a:r>
-              <a:rPr lang="en-US" dirty="0">
+              <a:rPr lang="en-US" dirty="0" smtClean="0">
                 <a:effectLst/>
               </a:rPr>
               <a:t> </a:t>
             </a:r>
             <a:r>
-              <a:rPr lang="en-US" dirty="0" err="1">
+              <a:rPr lang="en-US" dirty="0" err="1" smtClean="0">
                 <a:effectLst/>
               </a:rPr>
               <a:t>hōrudingusu</a:t>
             </a:r>
             <a:r>
-              <a:rPr lang="en-US" dirty="0">
+              <a:rPr lang="en-US" dirty="0" smtClean="0">
                 <a:effectLst/>
               </a:rPr>
               <a:t>'(</a:t>
             </a:r>
             <a:r>
-              <a:rPr lang="en-US" dirty="0" err="1">
+              <a:rPr lang="en-US" dirty="0" err="1" smtClean="0">
                 <a:effectLst/>
               </a:rPr>
               <a:t>Beikoku</a:t>
             </a:r>
             <a:r>
-              <a:rPr lang="en-US" dirty="0">
+              <a:rPr lang="en-US" dirty="0" smtClean="0">
                 <a:effectLst/>
               </a:rPr>
               <a:t> </a:t>
             </a:r>
             <a:r>
-              <a:rPr lang="en-US" dirty="0" err="1">
+              <a:rPr lang="en-US" dirty="0" err="1" smtClean="0">
                 <a:effectLst/>
               </a:rPr>
               <a:t>Derau~Ea-shū</a:t>
             </a:r>
             <a:r>
-              <a:rPr lang="en-US" dirty="0">
+              <a:rPr lang="en-US" dirty="0" smtClean="0">
                 <a:effectLst/>
               </a:rPr>
               <a:t>) o Amerika </a:t>
             </a:r>
             <a:r>
-              <a:rPr lang="en-US" dirty="0" err="1">
+              <a:rPr lang="en-US" dirty="0" err="1" smtClean="0">
                 <a:effectLst/>
               </a:rPr>
               <a:t>tōshi</a:t>
             </a:r>
             <a:r>
-              <a:rPr lang="en-US" dirty="0">
+              <a:rPr lang="en-US" dirty="0" smtClean="0">
                 <a:effectLst/>
               </a:rPr>
               <a:t> </a:t>
             </a:r>
             <a:r>
-              <a:rPr lang="en-US" dirty="0" err="1">
+              <a:rPr lang="en-US" dirty="0" err="1" smtClean="0">
                 <a:effectLst/>
               </a:rPr>
               <a:t>fando</a:t>
             </a:r>
             <a:r>
-              <a:rPr lang="en-US" dirty="0">
+              <a:rPr lang="en-US" dirty="0" smtClean="0">
                 <a:effectLst/>
               </a:rPr>
               <a:t> </a:t>
             </a:r>
             <a:r>
-              <a:rPr lang="en-US" dirty="0" err="1">
+              <a:rPr lang="en-US" dirty="0" err="1" smtClean="0">
                 <a:effectLst/>
               </a:rPr>
               <a:t>kara</a:t>
             </a:r>
             <a:r>
-              <a:rPr lang="en-US" dirty="0">
+              <a:rPr lang="en-US" dirty="0" smtClean="0">
                 <a:effectLst/>
               </a:rPr>
               <a:t> </a:t>
             </a:r>
             <a:r>
-              <a:rPr lang="en-US" dirty="0" err="1">
+              <a:rPr lang="en-US" dirty="0" err="1" smtClean="0">
                 <a:effectLst/>
               </a:rPr>
               <a:t>baishū</a:t>
             </a:r>
             <a:r>
-              <a:rPr lang="en-US" dirty="0">
+              <a:rPr lang="en-US" dirty="0" smtClean="0">
                 <a:effectLst/>
               </a:rPr>
               <a:t> </a:t>
             </a:r>
             <a:r>
-              <a:rPr lang="en-US" dirty="0" err="1">
+              <a:rPr lang="en-US" dirty="0" err="1" smtClean="0">
                 <a:effectLst/>
               </a:rPr>
               <a:t>shi</a:t>
             </a:r>
             <a:r>
-              <a:rPr lang="en-US" dirty="0">
+              <a:rPr lang="en-US" dirty="0" smtClean="0">
                 <a:effectLst/>
               </a:rPr>
               <a:t>, </a:t>
             </a:r>
             <a:r>
-              <a:rPr lang="en-US" dirty="0" err="1">
+              <a:rPr lang="en-US" dirty="0" err="1" smtClean="0">
                 <a:effectLst/>
               </a:rPr>
               <a:t>kanzen</a:t>
             </a:r>
             <a:r>
-              <a:rPr lang="en-US" dirty="0">
+              <a:rPr lang="en-US" dirty="0" smtClean="0">
                 <a:effectLst/>
               </a:rPr>
               <a:t> </a:t>
             </a:r>
             <a:r>
-              <a:rPr lang="en-US" dirty="0" err="1">
+              <a:rPr lang="en-US" dirty="0" err="1" smtClean="0">
                 <a:effectLst/>
               </a:rPr>
               <a:t>kogaisha</a:t>
             </a:r>
             <a:r>
-              <a:rPr lang="en-US" dirty="0">
+              <a:rPr lang="en-US" dirty="0" smtClean="0">
                 <a:effectLst/>
               </a:rPr>
               <a:t> </a:t>
             </a:r>
             <a:r>
-              <a:rPr lang="en-US" dirty="0" err="1">
+              <a:rPr lang="en-US" dirty="0" err="1" smtClean="0">
                 <a:effectLst/>
               </a:rPr>
               <a:t>ni</a:t>
             </a:r>
             <a:r>
-              <a:rPr lang="en-US" dirty="0">
+              <a:rPr lang="en-US" dirty="0" smtClean="0">
                 <a:effectLst/>
               </a:rPr>
               <a:t> </a:t>
             </a:r>
             <a:r>
-              <a:rPr lang="en-US" dirty="0" err="1">
+              <a:rPr lang="en-US" dirty="0" err="1" smtClean="0">
                 <a:effectLst/>
               </a:rPr>
               <a:t>suru</a:t>
             </a:r>
             <a:r>
-              <a:rPr lang="en-US" dirty="0">
+              <a:rPr lang="en-US" dirty="0" smtClean="0">
                 <a:effectLst/>
               </a:rPr>
               <a:t> to </a:t>
             </a:r>
             <a:r>
-              <a:rPr lang="en-US" dirty="0" err="1">
+              <a:rPr lang="en-US" dirty="0" err="1" smtClean="0">
                 <a:effectLst/>
               </a:rPr>
               <a:t>happyō</a:t>
             </a:r>
             <a:r>
-              <a:rPr lang="en-US" dirty="0">
+              <a:rPr lang="en-US" dirty="0" smtClean="0">
                 <a:effectLst/>
               </a:rPr>
               <a:t> </a:t>
             </a:r>
             <a:r>
-              <a:rPr lang="en-US" dirty="0" err="1">
+              <a:rPr lang="en-US" dirty="0" err="1" smtClean="0">
                 <a:effectLst/>
               </a:rPr>
               <a:t>shita</a:t>
             </a:r>
             <a:r>
-              <a:rPr lang="en-US" dirty="0">
+              <a:rPr lang="en-US" dirty="0" smtClean="0">
                 <a:effectLst/>
               </a:rPr>
               <a:t>. </a:t>
             </a:r>
             <a:r>
-              <a:rPr lang="en-US" dirty="0" err="1">
+              <a:rPr lang="en-US" dirty="0" err="1" smtClean="0">
                 <a:effectLst/>
               </a:rPr>
               <a:t>Baishū-gaku</a:t>
             </a:r>
             <a:r>
-              <a:rPr lang="en-US" dirty="0">
+              <a:rPr lang="en-US" dirty="0" smtClean="0">
                 <a:effectLst/>
               </a:rPr>
               <a:t> </a:t>
             </a:r>
             <a:r>
-              <a:rPr lang="en-US" dirty="0" err="1">
+              <a:rPr lang="en-US" dirty="0" err="1" smtClean="0">
                 <a:effectLst/>
               </a:rPr>
               <a:t>wa</a:t>
             </a:r>
             <a:r>
-              <a:rPr lang="en-US" dirty="0">
+              <a:rPr lang="en-US" dirty="0" smtClean="0">
                 <a:effectLst/>
               </a:rPr>
               <a:t> 13 </a:t>
             </a:r>
             <a:r>
-              <a:rPr lang="en-US" dirty="0" err="1">
+              <a:rPr lang="en-US" dirty="0" err="1" smtClean="0">
                 <a:effectLst/>
               </a:rPr>
               <a:t>oku-doru</a:t>
             </a:r>
             <a:r>
-              <a:rPr lang="en-US" dirty="0">
+              <a:rPr lang="en-US" dirty="0" smtClean="0">
                 <a:effectLst/>
               </a:rPr>
               <a:t> (</a:t>
             </a:r>
             <a:r>
-              <a:rPr lang="en-US" dirty="0" err="1">
+              <a:rPr lang="en-US" dirty="0" err="1" smtClean="0">
                 <a:effectLst/>
               </a:rPr>
               <a:t>yaku</a:t>
             </a:r>
             <a:r>
-              <a:rPr lang="en-US" dirty="0">
+              <a:rPr lang="en-US" dirty="0" smtClean="0">
                 <a:effectLst/>
               </a:rPr>
               <a:t> 1330 </a:t>
             </a:r>
             <a:r>
-              <a:rPr lang="en-US" dirty="0" err="1">
+              <a:rPr lang="en-US" dirty="0" err="1" smtClean="0">
                 <a:effectLst/>
               </a:rPr>
               <a:t>oku-en</a:t>
             </a:r>
             <a:r>
-              <a:rPr lang="en-US" dirty="0">
+              <a:rPr lang="en-US" dirty="0" smtClean="0">
                 <a:effectLst/>
               </a:rPr>
               <a:t>) de, 10 </a:t>
             </a:r>
             <a:r>
-              <a:rPr lang="en-US" dirty="0" err="1">
+              <a:rPr lang="en-US" dirty="0" err="1" smtClean="0">
                 <a:effectLst/>
               </a:rPr>
               <a:t>tsuki-chū</a:t>
             </a:r>
             <a:r>
-              <a:rPr lang="en-US" dirty="0">
+              <a:rPr lang="en-US" dirty="0" smtClean="0">
                 <a:effectLst/>
               </a:rPr>
               <a:t> </a:t>
             </a:r>
             <a:r>
-              <a:rPr lang="en-US" dirty="0" err="1">
+              <a:rPr lang="en-US" dirty="0" err="1" smtClean="0">
                 <a:effectLst/>
               </a:rPr>
               <a:t>ni</a:t>
             </a:r>
             <a:r>
-              <a:rPr lang="en-US" dirty="0">
+              <a:rPr lang="en-US" dirty="0" smtClean="0">
                 <a:effectLst/>
               </a:rPr>
               <a:t> </a:t>
             </a:r>
             <a:r>
-              <a:rPr lang="en-US" dirty="0" err="1">
+              <a:rPr lang="en-US" dirty="0" err="1" smtClean="0">
                 <a:effectLst/>
               </a:rPr>
               <a:t>mo</a:t>
             </a:r>
             <a:r>
-              <a:rPr lang="en-US" dirty="0">
+              <a:rPr lang="en-US" dirty="0" smtClean="0">
                 <a:effectLst/>
               </a:rPr>
               <a:t> </a:t>
             </a:r>
             <a:r>
-              <a:rPr lang="en-US" dirty="0" err="1">
+              <a:rPr lang="en-US" dirty="0" err="1" smtClean="0">
                 <a:effectLst/>
               </a:rPr>
               <a:t>tetsudzuki</a:t>
             </a:r>
             <a:r>
-              <a:rPr lang="en-US" dirty="0">
+              <a:rPr lang="en-US" dirty="0" smtClean="0">
                 <a:effectLst/>
               </a:rPr>
               <a:t> o </a:t>
             </a:r>
             <a:r>
-              <a:rPr lang="en-US" dirty="0" err="1">
+              <a:rPr lang="en-US" dirty="0" err="1" smtClean="0">
                 <a:effectLst/>
               </a:rPr>
               <a:t>oeru</a:t>
             </a:r>
             <a:r>
-              <a:rPr lang="en-US" dirty="0">
+              <a:rPr lang="en-US" dirty="0" smtClean="0">
                 <a:effectLst/>
               </a:rPr>
               <a:t>.</a:t>
             </a:r>
           </a:p>
           <a:p>
+            <a:endParaRPr lang="en-US" dirty="0" smtClean="0"/>
+          </a:p>
+          <a:p>
+            <a:endParaRPr lang="en-US" dirty="0" smtClean="0"/>
+          </a:p>
+          <a:p>
+            <a:r>
+              <a:rPr lang="en-US" dirty="0" smtClean="0"/>
+              <a:t>http://www.asahi.com/articles/ASG8M5GYTG8MULFA019.html?iref=comtop_6_06</a:t>
+            </a:r>
+          </a:p>
+          <a:p>
+            <a:r>
+              <a:rPr lang="en-US" dirty="0" smtClean="0"/>
+              <a:t> </a:t>
+            </a:r>
             <a:endParaRPr lang="en-US" dirty="0"/>
-          </a:p>
-          <a:p>
-            <a:endParaRPr lang="en-US" dirty="0"/>
-          </a:p>
-          <a:p>
-            <a:r>
-              <a:rPr lang="en-US" dirty="0"/>
-              <a:t>http://www.asahi.com/articles/ASG8M5GYTG8MULFA019.html?iref=comtop_6_06</a:t>
-            </a:r>
-          </a:p>
-          <a:p>
-            <a:r>
-              <a:rPr lang="en-US" dirty="0"/>
-              <a:t> </a:t>
-            </a:r>
           </a:p>
         </p:txBody>
       </p:sp>
@@ -1270,9 +1273,10 @@
           </a:lstStyle>
           <a:p>
             <a:r>
-              <a:rPr lang="en-US" dirty="0"/>
+              <a:rPr lang="en-US" dirty="0" smtClean="0"/>
               <a:t>Click to edit Master title style</a:t>
             </a:r>
+            <a:endParaRPr lang="en-US" dirty="0"/>
           </a:p>
         </p:txBody>
       </p:sp>
@@ -1397,9 +1401,10 @@
           </a:lstStyle>
           <a:p>
             <a:r>
-              <a:rPr lang="en-US" dirty="0"/>
+              <a:rPr lang="en-US" dirty="0" smtClean="0"/>
               <a:t>Click to edit Master subtitle style</a:t>
             </a:r>
+            <a:endParaRPr lang="en-US" dirty="0"/>
           </a:p>
         </p:txBody>
       </p:sp>
@@ -1454,9 +1459,10 @@
           <a:lstStyle/>
           <a:p>
             <a:r>
-              <a:rPr lang="en-US"/>
+              <a:rPr lang="en-US" smtClean="0"/>
               <a:t>Click to edit Master title style</a:t>
             </a:r>
+            <a:endParaRPr lang="en-US"/>
           </a:p>
         </p:txBody>
       </p:sp>
@@ -1518,9 +1524,10 @@
           </a:lstStyle>
           <a:p>
             <a:r>
-              <a:rPr lang="en-US"/>
+              <a:rPr lang="en-US" smtClean="0"/>
               <a:t>Click to edit Master subtitle style</a:t>
             </a:r>
+            <a:endParaRPr lang="en-US"/>
           </a:p>
         </p:txBody>
       </p:sp>
@@ -1626,6 +1633,13 @@
   <p:clrMapOvr>
     <a:masterClrMapping/>
   </p:clrMapOvr>
+  <p:timing>
+    <p:tnLst>
+      <p:par>
+        <p:cTn id="1" dur="indefinite" restart="never" nodeType="tmRoot"/>
+      </p:par>
+    </p:tnLst>
+  </p:timing>
 </p:sldLayout>
 </file>
 
@@ -1669,9 +1683,10 @@
           </a:lstStyle>
           <a:p>
             <a:r>
-              <a:rPr lang="en-US" dirty="0"/>
+              <a:rPr lang="en-US" dirty="0" smtClean="0"/>
               <a:t>Click to edit Master title style</a:t>
             </a:r>
+            <a:endParaRPr lang="en-US" dirty="0"/>
           </a:p>
         </p:txBody>
       </p:sp>
@@ -1723,37 +1738,38 @@
           <a:p>
             <a:pPr lvl="0"/>
             <a:r>
-              <a:rPr lang="en-US" dirty="0"/>
+              <a:rPr lang="en-US" dirty="0" smtClean="0"/>
               <a:t>Click to edit Master text styles</a:t>
             </a:r>
           </a:p>
           <a:p>
             <a:pPr lvl="1"/>
             <a:r>
-              <a:rPr lang="en-US" dirty="0"/>
+              <a:rPr lang="en-US" dirty="0" smtClean="0"/>
               <a:t>Second level</a:t>
             </a:r>
           </a:p>
           <a:p>
             <a:pPr lvl="2"/>
             <a:r>
-              <a:rPr lang="en-US" dirty="0"/>
+              <a:rPr lang="en-US" dirty="0" smtClean="0"/>
               <a:t>Third level</a:t>
             </a:r>
           </a:p>
           <a:p>
             <a:pPr lvl="3"/>
             <a:r>
-              <a:rPr lang="en-US" dirty="0"/>
+              <a:rPr lang="en-US" dirty="0" smtClean="0"/>
               <a:t>Fourth level</a:t>
             </a:r>
           </a:p>
           <a:p>
             <a:pPr lvl="4"/>
             <a:r>
-              <a:rPr lang="en-US" dirty="0"/>
+              <a:rPr lang="en-US" dirty="0" smtClean="0"/>
               <a:t>Fifth level</a:t>
             </a:r>
+            <a:endParaRPr lang="en-US" dirty="0"/>
           </a:p>
         </p:txBody>
       </p:sp>
@@ -2026,6 +2042,13 @@
   <p:clrMapOvr>
     <a:masterClrMapping/>
   </p:clrMapOvr>
+  <p:timing>
+    <p:tnLst>
+      <p:par>
+        <p:cTn id="1" dur="indefinite" restart="never" nodeType="tmRoot"/>
+      </p:par>
+    </p:tnLst>
+  </p:timing>
 </p:sldLayout>
 </file>
 
@@ -2087,9 +2110,10 @@
           </a:lstStyle>
           <a:p>
             <a:r>
-              <a:rPr lang="en-US" dirty="0"/>
+              <a:rPr lang="en-US" dirty="0" smtClean="0"/>
               <a:t>Click to edit Master title style</a:t>
             </a:r>
+            <a:endParaRPr lang="en-US" dirty="0"/>
           </a:p>
         </p:txBody>
       </p:sp>
@@ -2115,35 +2139,35 @@
           <a:p>
             <a:pPr lvl="0"/>
             <a:r>
-              <a:rPr lang="en-US"/>
+              <a:rPr lang="en-US" smtClean="0"/>
               <a:t>Click to edit Master text styles</a:t>
             </a:r>
           </a:p>
           <a:p>
             <a:pPr lvl="1"/>
             <a:r>
-              <a:rPr lang="en-US"/>
+              <a:rPr lang="en-US" smtClean="0"/>
               <a:t>Second level</a:t>
             </a:r>
           </a:p>
           <a:p>
             <a:pPr lvl="2"/>
             <a:r>
-              <a:rPr lang="en-US"/>
+              <a:rPr lang="en-US" smtClean="0"/>
               <a:t>Third level</a:t>
             </a:r>
           </a:p>
           <a:p>
             <a:pPr lvl="3"/>
             <a:r>
-              <a:rPr lang="en-US"/>
+              <a:rPr lang="en-US" smtClean="0"/>
               <a:t>Fourth level</a:t>
             </a:r>
           </a:p>
           <a:p>
             <a:pPr lvl="4"/>
             <a:r>
-              <a:rPr lang="en-US"/>
+              <a:rPr lang="en-US" smtClean="0"/>
               <a:t>Fifth level</a:t>
             </a:r>
             <a:endParaRPr lang="en-US" dirty="0"/>
@@ -2212,7 +2236,7 @@
           </a:lstStyle>
           <a:p>
             <a:r>
-              <a:rPr lang="en-US"/>
+              <a:rPr lang="en-US" smtClean="0"/>
               <a:t>Click to edit Master title style</a:t>
             </a:r>
             <a:endParaRPr lang="en-US" dirty="0"/>
@@ -2332,7 +2356,7 @@
           <a:p>
             <a:pPr lvl="0"/>
             <a:r>
-              <a:rPr lang="en-US"/>
+              <a:rPr lang="en-US" smtClean="0"/>
               <a:t>Click to edit Master text styles</a:t>
             </a:r>
           </a:p>
@@ -2402,7 +2426,7 @@
           </a:lstStyle>
           <a:p>
             <a:r>
-              <a:rPr lang="en-US"/>
+              <a:rPr lang="en-US" smtClean="0"/>
               <a:t>Click to edit Master title style</a:t>
             </a:r>
             <a:endParaRPr lang="en-US" dirty="0"/>
@@ -2477,35 +2501,35 @@
           <a:p>
             <a:pPr lvl="0"/>
             <a:r>
-              <a:rPr lang="en-US"/>
+              <a:rPr lang="en-US" smtClean="0"/>
               <a:t>Click to edit Master text styles</a:t>
             </a:r>
           </a:p>
           <a:p>
             <a:pPr lvl="1"/>
             <a:r>
-              <a:rPr lang="en-US"/>
+              <a:rPr lang="en-US" smtClean="0"/>
               <a:t>Second level</a:t>
             </a:r>
           </a:p>
           <a:p>
             <a:pPr lvl="2"/>
             <a:r>
-              <a:rPr lang="en-US"/>
+              <a:rPr lang="en-US" smtClean="0"/>
               <a:t>Third level</a:t>
             </a:r>
           </a:p>
           <a:p>
             <a:pPr lvl="3"/>
             <a:r>
-              <a:rPr lang="en-US"/>
+              <a:rPr lang="en-US" smtClean="0"/>
               <a:t>Fourth level</a:t>
             </a:r>
           </a:p>
           <a:p>
             <a:pPr lvl="4"/>
             <a:r>
-              <a:rPr lang="en-US"/>
+              <a:rPr lang="en-US" smtClean="0"/>
               <a:t>Fifth level</a:t>
             </a:r>
             <a:endParaRPr lang="en-US" dirty="0"/>
@@ -2580,35 +2604,35 @@
           <a:p>
             <a:pPr lvl="0"/>
             <a:r>
-              <a:rPr lang="en-US"/>
+              <a:rPr lang="en-US" smtClean="0"/>
               <a:t>Click to edit Master text styles</a:t>
             </a:r>
           </a:p>
           <a:p>
             <a:pPr lvl="1"/>
             <a:r>
-              <a:rPr lang="en-US"/>
+              <a:rPr lang="en-US" smtClean="0"/>
               <a:t>Second level</a:t>
             </a:r>
           </a:p>
           <a:p>
             <a:pPr lvl="2"/>
             <a:r>
-              <a:rPr lang="en-US"/>
+              <a:rPr lang="en-US" smtClean="0"/>
               <a:t>Third level</a:t>
             </a:r>
           </a:p>
           <a:p>
             <a:pPr lvl="3"/>
             <a:r>
-              <a:rPr lang="en-US"/>
+              <a:rPr lang="en-US" smtClean="0"/>
               <a:t>Fourth level</a:t>
             </a:r>
           </a:p>
           <a:p>
             <a:pPr lvl="4"/>
             <a:r>
-              <a:rPr lang="en-US"/>
+              <a:rPr lang="en-US" smtClean="0"/>
               <a:t>Fifth level</a:t>
             </a:r>
             <a:endParaRPr lang="en-US" dirty="0"/>
@@ -2679,7 +2703,7 @@
           </a:lstStyle>
           <a:p>
             <a:r>
-              <a:rPr lang="en-US"/>
+              <a:rPr lang="en-US" smtClean="0"/>
               <a:t>Click to edit Master title style</a:t>
             </a:r>
             <a:endParaRPr lang="en-US" dirty="0"/>
@@ -2754,7 +2778,7 @@
           <a:p>
             <a:pPr lvl="0"/>
             <a:r>
-              <a:rPr lang="en-US"/>
+              <a:rPr lang="en-US" smtClean="0"/>
               <a:t>Click to edit Master text styles</a:t>
             </a:r>
           </a:p>
@@ -2825,35 +2849,35 @@
           <a:p>
             <a:pPr lvl="0"/>
             <a:r>
-              <a:rPr lang="en-US"/>
+              <a:rPr lang="en-US" smtClean="0"/>
               <a:t>Click to edit Master text styles</a:t>
             </a:r>
           </a:p>
           <a:p>
             <a:pPr lvl="1"/>
             <a:r>
-              <a:rPr lang="en-US"/>
+              <a:rPr lang="en-US" smtClean="0"/>
               <a:t>Second level</a:t>
             </a:r>
           </a:p>
           <a:p>
             <a:pPr lvl="2"/>
             <a:r>
-              <a:rPr lang="en-US"/>
+              <a:rPr lang="en-US" smtClean="0"/>
               <a:t>Third level</a:t>
             </a:r>
           </a:p>
           <a:p>
             <a:pPr lvl="3"/>
             <a:r>
-              <a:rPr lang="en-US"/>
+              <a:rPr lang="en-US" smtClean="0"/>
               <a:t>Fourth level</a:t>
             </a:r>
           </a:p>
           <a:p>
             <a:pPr lvl="4"/>
             <a:r>
-              <a:rPr lang="en-US"/>
+              <a:rPr lang="en-US" smtClean="0"/>
               <a:t>Fifth level</a:t>
             </a:r>
             <a:endParaRPr lang="en-US" dirty="0"/>
@@ -2928,7 +2952,7 @@
           <a:p>
             <a:pPr lvl="0"/>
             <a:r>
-              <a:rPr lang="en-US"/>
+              <a:rPr lang="en-US" smtClean="0"/>
               <a:t>Click to edit Master text styles</a:t>
             </a:r>
           </a:p>
@@ -2999,35 +3023,35 @@
           <a:p>
             <a:pPr lvl="0"/>
             <a:r>
-              <a:rPr lang="en-US"/>
+              <a:rPr lang="en-US" smtClean="0"/>
               <a:t>Click to edit Master text styles</a:t>
             </a:r>
           </a:p>
           <a:p>
             <a:pPr lvl="1"/>
             <a:r>
-              <a:rPr lang="en-US"/>
+              <a:rPr lang="en-US" smtClean="0"/>
               <a:t>Second level</a:t>
             </a:r>
           </a:p>
           <a:p>
             <a:pPr lvl="2"/>
             <a:r>
-              <a:rPr lang="en-US"/>
+              <a:rPr lang="en-US" smtClean="0"/>
               <a:t>Third level</a:t>
             </a:r>
           </a:p>
           <a:p>
             <a:pPr lvl="3"/>
             <a:r>
-              <a:rPr lang="en-US"/>
+              <a:rPr lang="en-US" smtClean="0"/>
               <a:t>Fourth level</a:t>
             </a:r>
           </a:p>
           <a:p>
             <a:pPr lvl="4"/>
             <a:r>
-              <a:rPr lang="en-US"/>
+              <a:rPr lang="en-US" smtClean="0"/>
               <a:t>Fifth level</a:t>
             </a:r>
             <a:endParaRPr lang="en-US" dirty="0"/>
@@ -3098,7 +3122,7 @@
           </a:lstStyle>
           <a:p>
             <a:r>
-              <a:rPr lang="en-US"/>
+              <a:rPr lang="en-US" smtClean="0"/>
               <a:t>Click to edit Master title style</a:t>
             </a:r>
             <a:endParaRPr lang="en-US" dirty="0"/>
@@ -3199,7 +3223,7 @@
           </a:lstStyle>
           <a:p>
             <a:r>
-              <a:rPr lang="en-US"/>
+              <a:rPr lang="en-US" smtClean="0"/>
               <a:t>Click to edit Master title style</a:t>
             </a:r>
             <a:endParaRPr lang="en-US" dirty="0"/>
@@ -3274,35 +3298,35 @@
           <a:p>
             <a:pPr lvl="0"/>
             <a:r>
-              <a:rPr lang="en-US"/>
+              <a:rPr lang="en-US" smtClean="0"/>
               <a:t>Click to edit Master text styles</a:t>
             </a:r>
           </a:p>
           <a:p>
             <a:pPr lvl="1"/>
             <a:r>
-              <a:rPr lang="en-US"/>
+              <a:rPr lang="en-US" smtClean="0"/>
               <a:t>Second level</a:t>
             </a:r>
           </a:p>
           <a:p>
             <a:pPr lvl="2"/>
             <a:r>
-              <a:rPr lang="en-US"/>
+              <a:rPr lang="en-US" smtClean="0"/>
               <a:t>Third level</a:t>
             </a:r>
           </a:p>
           <a:p>
             <a:pPr lvl="3"/>
             <a:r>
-              <a:rPr lang="en-US"/>
+              <a:rPr lang="en-US" smtClean="0"/>
               <a:t>Fourth level</a:t>
             </a:r>
           </a:p>
           <a:p>
             <a:pPr lvl="4"/>
             <a:r>
-              <a:rPr lang="en-US"/>
+              <a:rPr lang="en-US" smtClean="0"/>
               <a:t>Fifth level</a:t>
             </a:r>
             <a:endParaRPr lang="en-US" dirty="0"/>
@@ -3374,7 +3398,7 @@
           <a:p>
             <a:pPr lvl="0"/>
             <a:r>
-              <a:rPr lang="en-US"/>
+              <a:rPr lang="en-US" smtClean="0"/>
               <a:t>Click to edit Master text styles</a:t>
             </a:r>
           </a:p>
@@ -3444,7 +3468,7 @@
           </a:lstStyle>
           <a:p>
             <a:r>
-              <a:rPr lang="en-US"/>
+              <a:rPr lang="en-US" smtClean="0"/>
               <a:t>Click to edit Master title style</a:t>
             </a:r>
             <a:endParaRPr lang="en-US" dirty="0"/>
@@ -3509,9 +3533,10 @@
           </a:lstStyle>
           <a:p>
             <a:r>
-              <a:rPr lang="en-US"/>
+              <a:rPr lang="en-US" smtClean="0"/>
               <a:t>Click icon to add picture</a:t>
             </a:r>
+            <a:endParaRPr lang="en-US"/>
           </a:p>
         </p:txBody>
       </p:sp>
@@ -3580,7 +3605,7 @@
           <a:p>
             <a:pPr lvl="0"/>
             <a:r>
-              <a:rPr lang="en-US"/>
+              <a:rPr lang="en-US" smtClean="0"/>
               <a:t>Click to edit Master text styles</a:t>
             </a:r>
           </a:p>
@@ -3651,35 +3676,35 @@
           <a:p>
             <a:pPr lvl="0"/>
             <a:r>
-              <a:rPr lang="en-US"/>
+              <a:rPr lang="en-US" smtClean="0"/>
               <a:t>Click to edit Master text styles</a:t>
             </a:r>
           </a:p>
           <a:p>
             <a:pPr lvl="1"/>
             <a:r>
-              <a:rPr lang="en-US"/>
+              <a:rPr lang="en-US" smtClean="0"/>
               <a:t>Second level</a:t>
             </a:r>
           </a:p>
           <a:p>
             <a:pPr lvl="2"/>
             <a:r>
-              <a:rPr lang="en-US"/>
+              <a:rPr lang="en-US" smtClean="0"/>
               <a:t>Third level</a:t>
             </a:r>
           </a:p>
           <a:p>
             <a:pPr lvl="3"/>
             <a:r>
-              <a:rPr lang="en-US"/>
+              <a:rPr lang="en-US" smtClean="0"/>
               <a:t>Fourth level</a:t>
             </a:r>
           </a:p>
           <a:p>
             <a:pPr lvl="4"/>
             <a:r>
-              <a:rPr lang="en-US"/>
+              <a:rPr lang="en-US" smtClean="0"/>
               <a:t>Fifth level</a:t>
             </a:r>
             <a:endParaRPr lang="en-US" dirty="0"/>
@@ -3705,6 +3730,13 @@
     <p:sldLayoutId id="2147483656" r:id="rId8"/>
     <p:sldLayoutId id="2147483657" r:id="rId9"/>
   </p:sldLayoutIdLst>
+  <p:timing>
+    <p:tnLst>
+      <p:par>
+        <p:cTn id="1" dur="indefinite" restart="never" nodeType="tmRoot"/>
+      </p:par>
+    </p:tnLst>
+  </p:timing>
   <p:txStyles>
     <p:titleStyle>
       <a:lvl1pPr algn="ctr" defTabSz="457200" rtl="0" eaLnBrk="1" latinLnBrk="0" hangingPunct="1">
@@ -4077,7 +4109,7 @@
           <a:p>
             <a:pPr lvl="0"/>
             <a:r>
-              <a:rPr lang="en-US" dirty="0"/>
+              <a:rPr lang="en-US" dirty="0" smtClean="0"/>
               <a:t>Click to edit Master title style</a:t>
             </a:r>
           </a:p>
@@ -4119,35 +4151,35 @@
           <a:p>
             <a:pPr lvl="0"/>
             <a:r>
-              <a:rPr lang="en-US" dirty="0"/>
+              <a:rPr lang="en-US" dirty="0" smtClean="0"/>
               <a:t>Click to edit Master text styles</a:t>
             </a:r>
           </a:p>
           <a:p>
             <a:pPr lvl="1"/>
             <a:r>
-              <a:rPr lang="en-US" dirty="0"/>
+              <a:rPr lang="en-US" dirty="0" smtClean="0"/>
               <a:t>Second level</a:t>
             </a:r>
           </a:p>
           <a:p>
             <a:pPr lvl="2"/>
             <a:r>
-              <a:rPr lang="en-US" dirty="0"/>
+              <a:rPr lang="en-US" dirty="0" smtClean="0"/>
               <a:t>Third level</a:t>
             </a:r>
           </a:p>
           <a:p>
             <a:pPr lvl="3"/>
             <a:r>
-              <a:rPr lang="en-US" dirty="0"/>
+              <a:rPr lang="en-US" dirty="0" smtClean="0"/>
               <a:t>Fourth level</a:t>
             </a:r>
           </a:p>
           <a:p>
             <a:pPr lvl="4"/>
             <a:r>
-              <a:rPr lang="en-US" dirty="0"/>
+              <a:rPr lang="en-US" dirty="0" smtClean="0"/>
               <a:t>Fifth level</a:t>
             </a:r>
           </a:p>
@@ -4809,11 +4841,14 @@
           <a:lstStyle/>
           <a:p>
             <a:r>
-              <a:rPr lang="en-US" sz="18000" dirty="0">
+              <a:rPr lang="en-US" sz="18000" dirty="0" smtClean="0">
                 <a:latin typeface="Rockwell Extra Bold" panose="02060903040505020403" pitchFamily="18" charset="0"/>
               </a:rPr>
               <a:t>NLP</a:t>
             </a:r>
+            <a:endParaRPr lang="en-US" sz="18000" dirty="0">
+              <a:latin typeface="Rockwell Extra Bold" panose="02060903040505020403" pitchFamily="18" charset="0"/>
+            </a:endParaRPr>
           </a:p>
         </p:txBody>
       </p:sp>
@@ -4827,6 +4862,13 @@
   <p:clrMapOvr>
     <a:masterClrMapping/>
   </p:clrMapOvr>
+  <p:timing>
+    <p:tnLst>
+      <p:par>
+        <p:cTn id="1" dur="indefinite" restart="never" nodeType="tmRoot"/>
+      </p:par>
+    </p:tnLst>
+  </p:timing>
 </p:sld>
 </file>
 
@@ -4863,9 +4905,10 @@
           <a:lstStyle/>
           <a:p>
             <a:r>
-              <a:rPr lang="en-US" dirty="0"/>
+              <a:rPr lang="en-US" dirty="0" smtClean="0"/>
               <a:t>Introduction to NLP</a:t>
             </a:r>
+            <a:endParaRPr lang="en-US" dirty="0"/>
           </a:p>
         </p:txBody>
       </p:sp>
@@ -4885,9 +4928,10 @@
           <a:lstStyle/>
           <a:p>
             <a:r>
-              <a:rPr lang="en-US" dirty="0"/>
+              <a:rPr lang="en-US" dirty="0" smtClean="0"/>
               <a:t>Preprocessing</a:t>
             </a:r>
+            <a:endParaRPr lang="en-US" dirty="0"/>
           </a:p>
         </p:txBody>
       </p:sp>
@@ -4901,6 +4945,13 @@
   <p:clrMapOvr>
     <a:masterClrMapping/>
   </p:clrMapOvr>
+  <p:timing>
+    <p:tnLst>
+      <p:par>
+        <p:cTn id="1" dur="indefinite" restart="never" nodeType="tmRoot"/>
+      </p:par>
+    </p:tnLst>
+  </p:timing>
 </p:sld>
 </file>
 
@@ -4938,7 +4989,7 @@
           <a:p>
             <a:pPr eaLnBrk="1" hangingPunct="1"/>
             <a:r>
-              <a:rPr lang="en-US" altLang="en-US" dirty="0"/>
+              <a:rPr lang="en-US" altLang="en-US" dirty="0" smtClean="0"/>
               <a:t>Text Preprocessing</a:t>
             </a:r>
           </a:p>
@@ -4972,7 +5023,7 @@
               </a:lnSpc>
             </a:pPr>
             <a:r>
-              <a:rPr lang="en-US" altLang="en-US" sz="2800" dirty="0"/>
+              <a:rPr lang="en-US" altLang="en-US" sz="2800" dirty="0" smtClean="0"/>
               <a:t>Removing non-text</a:t>
             </a:r>
           </a:p>
@@ -4983,14 +5034,14 @@
               </a:lnSpc>
             </a:pPr>
             <a:r>
-              <a:rPr lang="en-US" altLang="en-US" sz="2300" dirty="0"/>
+              <a:rPr lang="en-US" altLang="en-US" sz="2300" dirty="0" smtClean="0"/>
               <a:t>ads, </a:t>
             </a:r>
             <a:r>
-              <a:rPr lang="en-US" altLang="en-US" sz="2300" dirty="0" err="1"/>
+              <a:rPr lang="en-US" altLang="en-US" sz="2300" dirty="0" err="1" smtClean="0"/>
               <a:t>javascript</a:t>
             </a:r>
-            <a:endParaRPr lang="en-US" altLang="en-US" sz="2300" dirty="0"/>
+            <a:endParaRPr lang="en-US" altLang="en-US" sz="2300" dirty="0" smtClean="0"/>
           </a:p>
           <a:p>
             <a:pPr>
@@ -4999,7 +5050,7 @@
               </a:lnSpc>
             </a:pPr>
             <a:r>
-              <a:rPr lang="en-US" altLang="en-US" sz="2800" dirty="0"/>
+              <a:rPr lang="en-US" altLang="en-US" sz="2800" dirty="0" smtClean="0"/>
               <a:t>Dealing with text encoding</a:t>
             </a:r>
           </a:p>
@@ -5010,7 +5061,7 @@
               </a:lnSpc>
             </a:pPr>
             <a:r>
-              <a:rPr lang="en-US" altLang="en-US" sz="2300" dirty="0"/>
+              <a:rPr lang="en-US" altLang="en-US" sz="2300" dirty="0" smtClean="0"/>
               <a:t>e.g., Unicode</a:t>
             </a:r>
           </a:p>
@@ -5021,7 +5072,7 @@
               </a:lnSpc>
             </a:pPr>
             <a:r>
-              <a:rPr lang="en-US" altLang="en-US" sz="2800" dirty="0"/>
+              <a:rPr lang="en-US" altLang="en-US" sz="2800" dirty="0" smtClean="0"/>
               <a:t>Sentence segmentation</a:t>
             </a:r>
           </a:p>
@@ -5032,7 +5083,7 @@
               </a:lnSpc>
             </a:pPr>
             <a:r>
-              <a:rPr lang="en-US" altLang="en-US" sz="2300" dirty="0"/>
+              <a:rPr lang="en-US" altLang="en-US" sz="2300" dirty="0" smtClean="0"/>
               <a:t>later slide</a:t>
             </a:r>
           </a:p>
@@ -5043,7 +5094,7 @@
               </a:lnSpc>
             </a:pPr>
             <a:r>
-              <a:rPr lang="en-US" altLang="en-US" sz="2800" dirty="0"/>
+              <a:rPr lang="en-US" altLang="en-US" sz="2800" dirty="0" smtClean="0"/>
               <a:t>Normalization </a:t>
             </a:r>
           </a:p>
@@ -5054,7 +5105,7 @@
               </a:lnSpc>
             </a:pPr>
             <a:r>
-              <a:rPr lang="en-US" altLang="en-US" sz="2300" dirty="0"/>
+              <a:rPr lang="en-US" altLang="en-US" sz="2300" dirty="0" smtClean="0"/>
               <a:t>labeled/labelled,  extra-terrestrial/extraterrestrial, extra terrestrial</a:t>
             </a:r>
           </a:p>
@@ -5065,7 +5116,7 @@
               </a:lnSpc>
             </a:pPr>
             <a:r>
-              <a:rPr lang="en-US" altLang="en-US" sz="2800" dirty="0"/>
+              <a:rPr lang="en-US" altLang="en-US" sz="2800" dirty="0" smtClean="0"/>
               <a:t>Stemming</a:t>
             </a:r>
           </a:p>
@@ -5076,7 +5127,7 @@
               </a:lnSpc>
             </a:pPr>
             <a:r>
-              <a:rPr lang="en-US" altLang="en-US" sz="2300" dirty="0"/>
+              <a:rPr lang="en-US" altLang="en-US" sz="2300" dirty="0" smtClean="0"/>
               <a:t>computer/computation</a:t>
             </a:r>
           </a:p>
@@ -5087,7 +5138,7 @@
               </a:lnSpc>
             </a:pPr>
             <a:r>
-              <a:rPr lang="en-US" altLang="en-US" sz="2800" dirty="0"/>
+              <a:rPr lang="en-US" altLang="en-US" sz="2800" dirty="0" smtClean="0"/>
               <a:t>Morphological analysis</a:t>
             </a:r>
           </a:p>
@@ -5098,7 +5149,7 @@
               </a:lnSpc>
             </a:pPr>
             <a:r>
-              <a:rPr lang="en-US" altLang="en-US" sz="2300" dirty="0"/>
+              <a:rPr lang="en-US" altLang="en-US" sz="2300" dirty="0" smtClean="0"/>
               <a:t>car/cars</a:t>
             </a:r>
           </a:p>
@@ -5109,7 +5160,7 @@
               </a:lnSpc>
             </a:pPr>
             <a:r>
-              <a:rPr lang="en-US" altLang="en-US" sz="2800" dirty="0"/>
+              <a:rPr lang="en-US" altLang="en-US" sz="2800" dirty="0" smtClean="0"/>
               <a:t>Capitalization</a:t>
             </a:r>
           </a:p>
@@ -5120,7 +5171,7 @@
               </a:lnSpc>
             </a:pPr>
             <a:r>
-              <a:rPr lang="en-US" altLang="en-US" sz="2300" dirty="0"/>
+              <a:rPr lang="en-US" altLang="en-US" sz="2300" dirty="0" smtClean="0"/>
               <a:t>Now/NOW, led/LED</a:t>
             </a:r>
           </a:p>
@@ -5131,8 +5182,16 @@
               </a:lnSpc>
             </a:pPr>
             <a:r>
+              <a:rPr lang="en-US" altLang="en-US" sz="2800" dirty="0" smtClean="0"/>
+              <a:t>Named </a:t>
+            </a:r>
+            <a:r>
               <a:rPr lang="en-US" altLang="en-US" sz="2800" dirty="0"/>
-              <a:t>Named entity extraction</a:t>
+              <a:t>entity </a:t>
+            </a:r>
+            <a:r>
+              <a:rPr lang="en-US" altLang="en-US" sz="2800" dirty="0" smtClean="0"/>
+              <a:t>extraction</a:t>
             </a:r>
           </a:p>
           <a:p>
@@ -5142,11 +5201,11 @@
               </a:lnSpc>
             </a:pPr>
             <a:r>
-              <a:rPr lang="en-US" altLang="en-US" sz="2300" dirty="0"/>
+              <a:rPr lang="en-US" altLang="en-US" sz="2300" dirty="0" smtClean="0"/>
               <a:t>USA/</a:t>
             </a:r>
             <a:r>
-              <a:rPr lang="en-US" altLang="en-US" sz="2300" dirty="0" err="1"/>
+              <a:rPr lang="en-US" altLang="en-US" sz="2300" dirty="0" err="1" smtClean="0"/>
               <a:t>usa</a:t>
             </a:r>
             <a:endParaRPr lang="en-US" altLang="en-US" sz="2300" dirty="0"/>
@@ -6017,7 +6076,7 @@
           <a:p>
             <a:pPr eaLnBrk="1" hangingPunct="1"/>
             <a:r>
-              <a:rPr lang="en-US" altLang="en-US" dirty="0"/>
+              <a:rPr lang="en-US" altLang="en-US" dirty="0" smtClean="0"/>
               <a:t>Text Preprocessing</a:t>
             </a:r>
           </a:p>
@@ -6035,7 +6094,7 @@
         </p:nvSpPr>
         <p:spPr>
           <a:xfrm>
-            <a:off x="457200" y="1230407"/>
+            <a:off x="457200" y="1136783"/>
             <a:ext cx="8229600" cy="3600148"/>
           </a:xfrm>
         </p:spPr>
@@ -6051,7 +6110,7 @@
               </a:lnSpc>
             </a:pPr>
             <a:r>
-              <a:rPr lang="en-US" altLang="en-US" sz="2800" dirty="0"/>
+              <a:rPr lang="en-US" altLang="en-US" sz="2800" dirty="0" smtClean="0"/>
               <a:t>Types vs. Tokens</a:t>
             </a:r>
           </a:p>
@@ -6062,7 +6121,7 @@
               </a:lnSpc>
             </a:pPr>
             <a:r>
-              <a:rPr lang="en-US" altLang="en-US" sz="2300" dirty="0"/>
+              <a:rPr lang="en-US" altLang="en-US" sz="2300" dirty="0" smtClean="0"/>
               <a:t>To be or not to be</a:t>
             </a:r>
           </a:p>
@@ -6073,8 +6132,12 @@
               </a:lnSpc>
             </a:pPr>
             <a:r>
+              <a:rPr lang="en-US" altLang="en-US" sz="2800" dirty="0" smtClean="0"/>
+              <a:t>Tokenization</a:t>
+            </a:r>
+            <a:r>
               <a:rPr lang="en-US" altLang="en-US" sz="2800" dirty="0"/>
-              <a:t>Tokenization:</a:t>
+              <a:t>:</a:t>
             </a:r>
           </a:p>
           <a:p>
@@ -6084,9 +6147,18 @@
               </a:lnSpc>
             </a:pPr>
             <a:r>
+              <a:rPr lang="en-US" altLang="en-US" sz="2400" dirty="0" smtClean="0"/>
+              <a:t>ALS </a:t>
+            </a:r>
+            <a:r>
               <a:rPr lang="en-US" altLang="en-US" sz="2400" dirty="0"/>
-              <a:t>ALS vs. A.L.S. </a:t>
-            </a:r>
+              <a:t>vs. </a:t>
+            </a:r>
+            <a:r>
+              <a:rPr lang="en-US" altLang="en-US" sz="2400" dirty="0" smtClean="0"/>
+              <a:t>A.L.S. </a:t>
+            </a:r>
+            <a:endParaRPr lang="en-US" altLang="en-US" sz="2400" dirty="0"/>
           </a:p>
           <a:p>
             <a:pPr lvl="1">
@@ -6107,16 +6179,21 @@
             </a:pPr>
             <a:r>
               <a:rPr lang="en-US" altLang="en-US" sz="2400" dirty="0"/>
-              <a:t>“The New York-Los Angeles flight” vs. “Minneapolis-</a:t>
-            </a:r>
-            <a:r>
-              <a:rPr lang="en-US" altLang="en-US" sz="2400" dirty="0" err="1"/>
+              <a:t>“The New York-Los Angeles flight” vs. </a:t>
+            </a:r>
+            <a:r>
+              <a:rPr lang="en-US" altLang="en-US" sz="2400" dirty="0" smtClean="0"/>
+              <a:t>“Minneapolis-</a:t>
+            </a:r>
+            <a:r>
+              <a:rPr lang="en-US" altLang="en-US" sz="2400" dirty="0" err="1" smtClean="0"/>
               <a:t>St.Paul</a:t>
             </a:r>
             <a:r>
-              <a:rPr lang="en-US" altLang="en-US" sz="2400" dirty="0"/>
+              <a:rPr lang="en-US" altLang="en-US" sz="2400" dirty="0" smtClean="0"/>
               <a:t>”</a:t>
             </a:r>
+            <a:endParaRPr lang="en-US" altLang="en-US" sz="2400" dirty="0"/>
           </a:p>
           <a:p>
             <a:pPr lvl="1">
@@ -6125,8 +6202,12 @@
               </a:lnSpc>
             </a:pPr>
             <a:r>
+              <a:rPr lang="en-US" altLang="en-US" sz="2400" dirty="0" smtClean="0"/>
+              <a:t>Numbers</a:t>
+            </a:r>
+            <a:r>
               <a:rPr lang="en-US" altLang="en-US" sz="2400" dirty="0"/>
-              <a:t>Numbers, e.g., (888) 555-1313, 1-888-555-1313</a:t>
+              <a:t>, e.g., (888) 555-1313, 1-888-555-1313</a:t>
             </a:r>
           </a:p>
           <a:p>
@@ -6136,8 +6217,12 @@
               </a:lnSpc>
             </a:pPr>
             <a:r>
+              <a:rPr lang="en-US" altLang="en-US" sz="2400" dirty="0" smtClean="0"/>
+              <a:t>Dates</a:t>
+            </a:r>
+            <a:r>
               <a:rPr lang="en-US" altLang="en-US" sz="2400" dirty="0"/>
-              <a:t>Dates, e.g., Jan-13-2012, 20120113, 13 January 2012, 01/13/12</a:t>
+              <a:t>, e.g., Jan-13-2012, 20120113, 13 January 2012, 01/13/12</a:t>
             </a:r>
           </a:p>
           <a:p>
@@ -6147,7 +6232,7 @@
               </a:lnSpc>
             </a:pPr>
             <a:r>
-              <a:rPr lang="en-US" altLang="en-US" sz="2400" dirty="0"/>
+              <a:rPr lang="en-US" altLang="en-US" sz="2400" dirty="0" smtClean="0"/>
               <a:t>URLs</a:t>
             </a:r>
           </a:p>
@@ -6673,7 +6758,7 @@
           <a:lstStyle/>
           <a:p>
             <a:r>
-              <a:rPr lang="en-US" altLang="en-US" dirty="0"/>
+              <a:rPr lang="en-US" altLang="en-US" dirty="0" smtClean="0"/>
               <a:t>Text preprocessing</a:t>
             </a:r>
           </a:p>
@@ -6707,7 +6792,7 @@
               </a:lnSpc>
             </a:pPr>
             <a:r>
-              <a:rPr lang="en-US" altLang="ja-JP" dirty="0">
+              <a:rPr lang="en-US" altLang="ja-JP" dirty="0" smtClean="0">
                 <a:solidFill>
                   <a:srgbClr val="00B0F0"/>
                 </a:solidFill>
@@ -6716,7 +6801,7 @@
               <a:t>Kanji</a:t>
             </a:r>
             <a:r>
-              <a:rPr lang="en-US" altLang="ja-JP" dirty="0">
+              <a:rPr lang="en-US" altLang="ja-JP" dirty="0" smtClean="0">
                 <a:solidFill>
                   <a:schemeClr val="tx1"/>
                 </a:solidFill>
@@ -6725,7 +6810,7 @@
               <a:t>, </a:t>
             </a:r>
             <a:r>
-              <a:rPr lang="en-US" altLang="ja-JP" dirty="0">
+              <a:rPr lang="en-US" altLang="ja-JP" dirty="0" smtClean="0">
                 <a:solidFill>
                   <a:srgbClr val="FF0000"/>
                 </a:solidFill>
@@ -6734,7 +6819,7 @@
               <a:t>Katakana</a:t>
             </a:r>
             <a:r>
-              <a:rPr lang="en-US" altLang="ja-JP" dirty="0">
+              <a:rPr lang="en-US" altLang="ja-JP" dirty="0" smtClean="0">
                 <a:solidFill>
                   <a:schemeClr val="tx1"/>
                 </a:solidFill>
@@ -6743,7 +6828,7 @@
               <a:t>, </a:t>
             </a:r>
             <a:r>
-              <a:rPr lang="en-US" altLang="ja-JP" dirty="0">
+              <a:rPr lang="en-US" altLang="ja-JP" dirty="0" smtClean="0">
                 <a:solidFill>
                   <a:srgbClr val="00B050"/>
                 </a:solidFill>
@@ -6752,7 +6837,7 @@
               <a:t>Hiragana</a:t>
             </a:r>
             <a:r>
-              <a:rPr lang="en-US" altLang="ja-JP" dirty="0">
+              <a:rPr lang="en-US" altLang="ja-JP" dirty="0" smtClean="0">
                 <a:solidFill>
                   <a:schemeClr val="tx1"/>
                 </a:solidFill>
@@ -6761,7 +6846,7 @@
               <a:t>, </a:t>
             </a:r>
             <a:r>
-              <a:rPr lang="en-US" altLang="ja-JP" dirty="0" err="1">
+              <a:rPr lang="en-US" altLang="ja-JP" dirty="0" err="1" smtClean="0">
                 <a:solidFill>
                   <a:srgbClr val="FFC000"/>
                 </a:solidFill>
@@ -6770,7 +6855,7 @@
               <a:t>Rōmaji</a:t>
             </a:r>
             <a:r>
-              <a:rPr lang="en-US" altLang="ja-JP" dirty="0">
+              <a:rPr lang="en-US" altLang="ja-JP" dirty="0" smtClean="0">
                 <a:solidFill>
                   <a:schemeClr val="tx1"/>
                 </a:solidFill>
@@ -6778,7 +6863,7 @@
               </a:rPr>
               <a:t>, (numbers)</a:t>
             </a:r>
-            <a:endParaRPr lang="en-US" altLang="ja-JP" sz="2500" dirty="0">
+            <a:endParaRPr lang="en-US" altLang="ja-JP" sz="2500" dirty="0" smtClean="0">
               <a:solidFill>
                 <a:schemeClr val="tx1"/>
               </a:solidFill>
@@ -6792,58 +6877,58 @@
               </a:lnSpc>
             </a:pPr>
             <a:r>
-              <a:rPr lang="en-US" altLang="en-US" sz="2000" dirty="0" err="1"/>
+              <a:rPr lang="en-US" altLang="en-US" sz="2000" dirty="0" err="1" smtClean="0"/>
               <a:t>Nyūyōku</a:t>
             </a:r>
             <a:r>
-              <a:rPr lang="en-US" altLang="en-US" sz="2000" dirty="0"/>
+              <a:rPr lang="en-US" altLang="en-US" sz="2000" dirty="0" smtClean="0"/>
               <a:t> </a:t>
             </a:r>
             <a:r>
-              <a:rPr lang="en-US" altLang="en-US" sz="2000" dirty="0" err="1"/>
+              <a:rPr lang="en-US" altLang="en-US" sz="2000" dirty="0" err="1" smtClean="0"/>
               <a:t>wa</a:t>
             </a:r>
             <a:r>
-              <a:rPr lang="en-US" altLang="en-US" sz="2000" dirty="0"/>
+              <a:rPr lang="en-US" altLang="en-US" sz="2000" dirty="0" smtClean="0"/>
               <a:t>, </a:t>
             </a:r>
             <a:r>
-              <a:rPr lang="en-US" altLang="en-US" sz="2000" dirty="0" err="1"/>
+              <a:rPr lang="en-US" altLang="en-US" sz="2000" dirty="0" err="1" smtClean="0"/>
               <a:t>Amerikagasshūkoku</a:t>
             </a:r>
             <a:r>
-              <a:rPr lang="en-US" altLang="en-US" sz="2000" dirty="0"/>
+              <a:rPr lang="en-US" altLang="en-US" sz="2000" dirty="0" smtClean="0"/>
               <a:t> </a:t>
             </a:r>
             <a:r>
-              <a:rPr lang="en-US" altLang="en-US" sz="2000" dirty="0" err="1"/>
+              <a:rPr lang="en-US" altLang="en-US" sz="2000" dirty="0" err="1" smtClean="0"/>
               <a:t>nyūyōku-shū</a:t>
             </a:r>
             <a:r>
-              <a:rPr lang="en-US" altLang="en-US" sz="2000" dirty="0"/>
+              <a:rPr lang="en-US" altLang="en-US" sz="2000" dirty="0" smtClean="0"/>
               <a:t> </a:t>
             </a:r>
             <a:r>
-              <a:rPr lang="en-US" altLang="en-US" sz="2000" dirty="0" err="1"/>
+              <a:rPr lang="en-US" altLang="en-US" sz="2000" dirty="0" err="1" smtClean="0"/>
               <a:t>ni</a:t>
             </a:r>
             <a:r>
-              <a:rPr lang="en-US" altLang="en-US" sz="2000" dirty="0"/>
+              <a:rPr lang="en-US" altLang="en-US" sz="2000" dirty="0" smtClean="0"/>
               <a:t> </a:t>
             </a:r>
             <a:r>
-              <a:rPr lang="en-US" altLang="en-US" sz="2000" dirty="0" err="1"/>
+              <a:rPr lang="en-US" altLang="en-US" sz="2000" dirty="0" err="1" smtClean="0"/>
               <a:t>aru</a:t>
             </a:r>
             <a:r>
-              <a:rPr lang="en-US" altLang="en-US" sz="2000" dirty="0"/>
+              <a:rPr lang="en-US" altLang="en-US" sz="2000" dirty="0" smtClean="0"/>
               <a:t> </a:t>
             </a:r>
             <a:r>
-              <a:rPr lang="en-US" altLang="en-US" sz="2000" dirty="0" err="1"/>
+              <a:rPr lang="en-US" altLang="en-US" sz="2000" dirty="0" err="1" smtClean="0"/>
               <a:t>toshi</a:t>
             </a:r>
-            <a:endParaRPr lang="en-US" altLang="en-US" sz="2000" dirty="0"/>
+            <a:endParaRPr lang="en-US" altLang="en-US" sz="2000" dirty="0" smtClean="0"/>
           </a:p>
         </p:txBody>
       </p:sp>
@@ -6971,7 +7056,16 @@
                 </a:solidFill>
                 <a:ea typeface="MS PGothic" pitchFamily="34" charset="-128"/>
               </a:rPr>
-              <a:t>都市</a:t>
+              <a:t>都</a:t>
+            </a:r>
+            <a:r>
+              <a:rPr lang="ja-JP" altLang="en-US" sz="2000" dirty="0" smtClean="0">
+                <a:solidFill>
+                  <a:srgbClr val="00B0F0"/>
+                </a:solidFill>
+                <a:ea typeface="MS PGothic" pitchFamily="34" charset="-128"/>
+              </a:rPr>
+              <a:t>市</a:t>
             </a:r>
             <a:endParaRPr lang="en-US" altLang="ja-JP" sz="2000" dirty="0">
               <a:solidFill>
@@ -7205,9 +7299,10 @@
           <a:lstStyle/>
           <a:p>
             <a:r>
-              <a:rPr lang="en-US" dirty="0"/>
+              <a:rPr lang="en-US" dirty="0" smtClean="0"/>
               <a:t>Sentence segmentation into words</a:t>
             </a:r>
+            <a:endParaRPr lang="en-US" dirty="0"/>
           </a:p>
         </p:txBody>
       </p:sp>
@@ -7244,6 +7339,13 @@
   <p:clrMapOvr>
     <a:masterClrMapping/>
   </p:clrMapOvr>
+  <p:timing>
+    <p:tnLst>
+      <p:par>
+        <p:cTn id="1" dur="indefinite" restart="never" nodeType="tmRoot"/>
+      </p:par>
+    </p:tnLst>
+  </p:timing>
 </p:sld>
 </file>
 
@@ -7285,7 +7387,7 @@
           <a:lstStyle/>
           <a:p>
             <a:r>
-              <a:rPr lang="en-US" altLang="en-US" dirty="0"/>
+              <a:rPr lang="en-US" altLang="en-US" dirty="0" smtClean="0"/>
               <a:t>Word segmentation into morphemes</a:t>
             </a:r>
           </a:p>
@@ -7391,31 +7493,31 @@
               <a:defRPr/>
             </a:pPr>
             <a:r>
-              <a:rPr lang="en-US" sz="2000" kern="0" dirty="0"/>
+              <a:rPr lang="en-US" sz="2000" kern="0" dirty="0" smtClean="0"/>
               <a:t>                        (</a:t>
             </a:r>
             <a:r>
-              <a:rPr lang="en-US" sz="2000" kern="0" dirty="0" err="1"/>
+              <a:rPr lang="en-US" sz="2000" kern="0" dirty="0" err="1" smtClean="0"/>
               <a:t>kono</a:t>
             </a:r>
             <a:r>
-              <a:rPr lang="en-US" sz="2000" kern="0" dirty="0"/>
+              <a:rPr lang="en-US" sz="2000" kern="0" dirty="0" smtClean="0"/>
               <a:t> </a:t>
             </a:r>
             <a:r>
-              <a:rPr lang="en-US" sz="2000" kern="0" dirty="0" err="1"/>
+              <a:rPr lang="en-US" sz="2000" kern="0" dirty="0" err="1" smtClean="0"/>
               <a:t>hon</a:t>
             </a:r>
             <a:r>
-              <a:rPr lang="en-US" sz="2000" kern="0" dirty="0"/>
+              <a:rPr lang="en-US" sz="2000" kern="0" dirty="0" smtClean="0"/>
               <a:t> ha </a:t>
             </a:r>
             <a:r>
-              <a:rPr lang="en-US" sz="2000" kern="0" dirty="0" err="1"/>
+              <a:rPr lang="en-US" sz="2000" kern="0" dirty="0" err="1" smtClean="0"/>
               <a:t>omoi</a:t>
             </a:r>
             <a:r>
-              <a:rPr lang="en-US" sz="2000" kern="0" dirty="0"/>
+              <a:rPr lang="en-US" sz="2000" kern="0" dirty="0" smtClean="0"/>
               <a:t>)</a:t>
             </a:r>
           </a:p>
@@ -7432,9 +7534,14 @@
               <a:defRPr/>
             </a:pPr>
             <a:r>
+              <a:rPr lang="en-US" sz="2000" kern="0" dirty="0" smtClean="0"/>
+              <a:t>German</a:t>
+            </a:r>
+            <a:r>
               <a:rPr lang="en-US" sz="2000" kern="0" dirty="0"/>
-              <a:t>German: </a:t>
-            </a:r>
+              <a:t>: </a:t>
+            </a:r>
+            <a:endParaRPr lang="en-US" sz="2000" kern="0" dirty="0" smtClean="0"/>
           </a:p>
           <a:p>
             <a:pPr lvl="1">
@@ -7447,15 +7554,15 @@
               <a:defRPr/>
             </a:pPr>
             <a:r>
-              <a:rPr lang="en-US" sz="2000" kern="0" dirty="0"/>
+              <a:rPr lang="en-US" sz="2000" kern="0" dirty="0" smtClean="0"/>
               <a:t>	</a:t>
             </a:r>
             <a:r>
-              <a:rPr lang="en-US" sz="2000" kern="0" dirty="0" err="1"/>
+              <a:rPr lang="en-US" sz="2000" kern="0" dirty="0" err="1" smtClean="0"/>
               <a:t>Finanzdienstleistung</a:t>
             </a:r>
             <a:r>
-              <a:rPr lang="en-US" sz="2000" kern="0" dirty="0"/>
+              <a:rPr lang="en-US" sz="2000" kern="0" dirty="0" smtClean="0"/>
               <a:t> = financial services</a:t>
             </a:r>
           </a:p>
@@ -7472,7 +7579,7 @@
               <a:defRPr/>
             </a:pPr>
             <a:r>
-              <a:rPr lang="en-US" sz="2000" kern="0" dirty="0"/>
+              <a:rPr lang="en-US" sz="2000" kern="0" dirty="0" smtClean="0"/>
               <a:t>Chinese:</a:t>
             </a:r>
           </a:p>
@@ -7487,57 +7594,57 @@
               <a:defRPr/>
             </a:pPr>
             <a:r>
-              <a:rPr lang="en-US" altLang="ja-JP" sz="2000" dirty="0"/>
+              <a:rPr lang="en-US" altLang="ja-JP" sz="2000" dirty="0" smtClean="0"/>
               <a:t>	</a:t>
             </a:r>
             <a:r>
-              <a:rPr lang="ja-JP" altLang="en-US" sz="2000" dirty="0"/>
+              <a:rPr lang="ja-JP" altLang="en-US" sz="2000" dirty="0" smtClean="0"/>
               <a:t>电视 </a:t>
             </a:r>
             <a:r>
-              <a:rPr lang="en-US" altLang="ja-JP" sz="2000" dirty="0"/>
+              <a:rPr lang="en-US" altLang="ja-JP" sz="2000" dirty="0" smtClean="0"/>
               <a:t>(television) </a:t>
             </a:r>
             <a:br>
-              <a:rPr lang="en-US" altLang="ja-JP" sz="2000" dirty="0"/>
+              <a:rPr lang="en-US" altLang="ja-JP" sz="2000" dirty="0" smtClean="0"/>
             </a:br>
             <a:r>
-              <a:rPr lang="en-US" altLang="ja-JP" sz="2000" dirty="0"/>
+              <a:rPr lang="en-US" altLang="ja-JP" sz="2000" dirty="0" smtClean="0"/>
               <a:t>	</a:t>
             </a:r>
             <a:r>
-              <a:rPr lang="ja-JP" altLang="en-US" sz="2000" dirty="0"/>
+              <a:rPr lang="ja-JP" altLang="en-US" sz="2000" dirty="0" smtClean="0"/>
               <a:t>电 </a:t>
             </a:r>
             <a:r>
-              <a:rPr lang="en-US" altLang="ja-JP" sz="2000" dirty="0"/>
+              <a:rPr lang="en-US" altLang="ja-JP" sz="2000" dirty="0" smtClean="0"/>
               <a:t>(</a:t>
             </a:r>
             <a:r>
-              <a:rPr lang="en-US" altLang="ja-JP" sz="2000" dirty="0" err="1"/>
+              <a:rPr lang="en-US" altLang="ja-JP" sz="2000" dirty="0" err="1" smtClean="0"/>
               <a:t>diàn</a:t>
             </a:r>
             <a:r>
-              <a:rPr lang="en-US" altLang="ja-JP" sz="2000" dirty="0"/>
+              <a:rPr lang="en-US" altLang="ja-JP" sz="2000" dirty="0" smtClean="0"/>
               <a:t> = electric) </a:t>
             </a:r>
             <a:r>
-              <a:rPr lang="ja-JP" altLang="en-US" sz="2000" dirty="0"/>
+              <a:rPr lang="ja-JP" altLang="en-US" sz="2000" dirty="0" smtClean="0"/>
               <a:t>视 </a:t>
             </a:r>
             <a:r>
-              <a:rPr lang="en-US" altLang="ja-JP" sz="2000" dirty="0"/>
+              <a:rPr lang="en-US" altLang="ja-JP" sz="2000" dirty="0" smtClean="0"/>
               <a:t>(</a:t>
             </a:r>
             <a:r>
-              <a:rPr lang="en-US" altLang="ja-JP" sz="2000" dirty="0" err="1"/>
+              <a:rPr lang="en-US" altLang="ja-JP" sz="2000" dirty="0" err="1" smtClean="0"/>
               <a:t>shì</a:t>
             </a:r>
             <a:r>
-              <a:rPr lang="en-US" altLang="ja-JP" sz="2000" dirty="0"/>
+              <a:rPr lang="en-US" altLang="ja-JP" sz="2000" dirty="0" smtClean="0"/>
               <a:t> = to look at)</a:t>
             </a:r>
-            <a:endParaRPr lang="en-US" sz="2000" kern="0" dirty="0"/>
+            <a:endParaRPr lang="en-US" sz="2000" kern="0" dirty="0" smtClean="0"/>
           </a:p>
           <a:p>
             <a:pPr>
@@ -8288,7 +8395,7 @@
           <a:p>
             <a:pPr eaLnBrk="1" hangingPunct="1"/>
             <a:r>
-              <a:rPr lang="en-US" altLang="en-US" dirty="0"/>
+              <a:rPr lang="en-US" altLang="en-US" dirty="0" smtClean="0"/>
               <a:t>Sentence boundary recognition</a:t>
             </a:r>
           </a:p>
@@ -8322,7 +8429,7 @@
               </a:lnSpc>
             </a:pPr>
             <a:r>
-              <a:rPr lang="en-US" altLang="en-US" dirty="0"/>
+              <a:rPr lang="en-US" altLang="en-US" dirty="0" smtClean="0"/>
               <a:t>Decision trees</a:t>
             </a:r>
           </a:p>
@@ -8333,7 +8440,7 @@
               </a:lnSpc>
             </a:pPr>
             <a:r>
-              <a:rPr lang="en-US" altLang="en-US" dirty="0"/>
+              <a:rPr lang="en-US" altLang="en-US" dirty="0" smtClean="0"/>
               <a:t>Features</a:t>
             </a:r>
           </a:p>
@@ -8344,7 +8451,7 @@
               </a:lnSpc>
             </a:pPr>
             <a:r>
-              <a:rPr lang="en-US" altLang="en-US" dirty="0"/>
+              <a:rPr lang="en-US" altLang="en-US" dirty="0" smtClean="0"/>
               <a:t>punctuation</a:t>
             </a:r>
           </a:p>
@@ -8355,7 +8462,7 @@
               </a:lnSpc>
             </a:pPr>
             <a:r>
-              <a:rPr lang="en-US" altLang="en-US" dirty="0"/>
+              <a:rPr lang="en-US" altLang="en-US" dirty="0" smtClean="0"/>
               <a:t>formatting</a:t>
             </a:r>
           </a:p>
@@ -8366,7 +8473,7 @@
               </a:lnSpc>
             </a:pPr>
             <a:r>
-              <a:rPr lang="en-US" altLang="en-US" dirty="0"/>
+              <a:rPr lang="en-US" altLang="en-US" dirty="0" smtClean="0"/>
               <a:t>fonts</a:t>
             </a:r>
           </a:p>
@@ -8377,7 +8484,7 @@
               </a:lnSpc>
             </a:pPr>
             <a:r>
-              <a:rPr lang="en-US" altLang="en-US" dirty="0"/>
+              <a:rPr lang="en-US" altLang="en-US" dirty="0" smtClean="0"/>
               <a:t>spacing</a:t>
             </a:r>
           </a:p>
@@ -8388,7 +8495,7 @@
               </a:lnSpc>
             </a:pPr>
             <a:r>
-              <a:rPr lang="en-US" altLang="en-US" dirty="0"/>
+              <a:rPr lang="en-US" altLang="en-US" dirty="0" smtClean="0"/>
               <a:t>capitalization</a:t>
             </a:r>
           </a:p>
@@ -8399,7 +8506,7 @@
               </a:lnSpc>
             </a:pPr>
             <a:r>
-              <a:rPr lang="en-US" altLang="en-US" dirty="0"/>
+              <a:rPr lang="en-US" altLang="en-US" dirty="0" smtClean="0"/>
               <a:t>case</a:t>
             </a:r>
           </a:p>
@@ -8410,7 +8517,7 @@
               </a:lnSpc>
             </a:pPr>
             <a:r>
-              <a:rPr lang="en-US" altLang="en-US" dirty="0"/>
+              <a:rPr lang="en-US" altLang="en-US" dirty="0" smtClean="0"/>
               <a:t>use of abbreviations, e.g., Dr., a.m.</a:t>
             </a:r>
           </a:p>
@@ -8421,7 +8528,7 @@
               </a:lnSpc>
             </a:pPr>
             <a:r>
-              <a:rPr lang="en-US" altLang="en-US" dirty="0"/>
+              <a:rPr lang="en-US" altLang="en-US" dirty="0" smtClean="0"/>
               <a:t>Example</a:t>
             </a:r>
           </a:p>
@@ -8432,7 +8539,7 @@
               </a:lnSpc>
             </a:pPr>
             <a:r>
-              <a:rPr lang="en-US" altLang="en-US" dirty="0"/>
+              <a:rPr lang="en-US" altLang="en-US" dirty="0" smtClean="0"/>
               <a:t>If there is no space after a period, don’t assume that there is a sentence boundary</a:t>
             </a:r>
           </a:p>
@@ -8442,7 +8549,7 @@
                 <a:spcPct val="110000"/>
               </a:lnSpc>
             </a:pPr>
-            <a:endParaRPr lang="en-US" altLang="en-US" dirty="0"/>
+            <a:endParaRPr lang="en-US" altLang="en-US" dirty="0" smtClean="0"/>
           </a:p>
         </p:txBody>
       </p:sp>
@@ -9069,11 +9176,14 @@
           <a:lstStyle/>
           <a:p>
             <a:r>
-              <a:rPr lang="en-US" sz="18000" dirty="0">
+              <a:rPr lang="en-US" sz="18000" dirty="0" smtClean="0">
                 <a:latin typeface="Rockwell Extra Bold" panose="02060903040505020403" pitchFamily="18" charset="0"/>
               </a:rPr>
               <a:t>NLP</a:t>
             </a:r>
+            <a:endParaRPr lang="en-US" sz="18000" dirty="0">
+              <a:latin typeface="Rockwell Extra Bold" panose="02060903040505020403" pitchFamily="18" charset="0"/>
+            </a:endParaRPr>
           </a:p>
         </p:txBody>
       </p:sp>
@@ -9087,6 +9197,13 @@
   <p:clrMapOvr>
     <a:masterClrMapping/>
   </p:clrMapOvr>
+  <p:timing>
+    <p:tnLst>
+      <p:par>
+        <p:cTn id="1" dur="indefinite" restart="never" nodeType="tmRoot"/>
+      </p:par>
+    </p:tnLst>
+  </p:timing>
 </p:sld>
 </file>
 
